--- a/day1/lab1_eng.pptx
+++ b/day1/lab1_eng.pptx
@@ -218,7 +218,7 @@
           <a:p>
             <a:fld id="{0377424B-A23C-43FF-8673-376C6E767ED7}" type="datetimeFigureOut">
               <a:rPr lang="en-US" smtClean="0"/>
-              <a:t>1/7/2022</a:t>
+              <a:t>1/10/2022</a:t>
             </a:fld>
             <a:endParaRPr lang="en-US"/>
           </a:p>
@@ -567,7 +567,7 @@
           </a:ln>
           <a:extLst>
             <a:ext uri="{909E8E84-426E-40dd-AFC4-6F175D3DCCD1}">
-              <a14:hiddenFill xmlns:a14="http://schemas.microsoft.com/office/drawing/2010/main" xmlns="">
+              <a14:hiddenFill xmlns="" xmlns:a14="http://schemas.microsoft.com/office/drawing/2010/main">
                 <a:solidFill>
                   <a:srgbClr val="FFFFFF"/>
                 </a:solidFill>
@@ -610,7 +610,7 @@
           </a:ln>
           <a:extLst>
             <a:ext uri="{909E8E84-426E-40dd-AFC4-6F175D3DCCD1}">
-              <a14:hiddenFill xmlns:a14="http://schemas.microsoft.com/office/drawing/2010/main" xmlns="">
+              <a14:hiddenFill xmlns="" xmlns:a14="http://schemas.microsoft.com/office/drawing/2010/main">
                 <a:noFill/>
               </a14:hiddenFill>
             </a:ext>
@@ -709,7 +709,7 @@
           <a:p>
             <a:fld id="{BA23EE8D-9CE0-4F42-A40F-E28604EA7175}" type="datetime1">
               <a:rPr lang="en-US" smtClean="0"/>
-              <a:t>1/7/2022</a:t>
+              <a:t>1/10/2022</a:t>
             </a:fld>
             <a:endParaRPr lang="en-US"/>
           </a:p>
@@ -896,7 +896,7 @@
           <a:p>
             <a:fld id="{C602C5EE-1F52-440A-B21D-CF34717184B1}" type="datetime1">
               <a:rPr lang="en-US" smtClean="0"/>
-              <a:t>1/7/2022</a:t>
+              <a:t>1/10/2022</a:t>
             </a:fld>
             <a:endParaRPr lang="en-US"/>
           </a:p>
@@ -1092,7 +1092,7 @@
           <a:p>
             <a:fld id="{88EA7AC3-3927-460F-BC0A-B8263F635273}" type="datetime1">
               <a:rPr lang="en-US" smtClean="0"/>
-              <a:t>1/7/2022</a:t>
+              <a:t>1/10/2022</a:t>
             </a:fld>
             <a:endParaRPr lang="en-US"/>
           </a:p>
@@ -1344,7 +1344,7 @@
           <a:p>
             <a:fld id="{F134B72F-0B71-4FD2-BD20-28F3E78BBA16}" type="datetime1">
               <a:rPr lang="en-US" smtClean="0"/>
-              <a:t>1/7/2022</a:t>
+              <a:t>1/10/2022</a:t>
             </a:fld>
             <a:endParaRPr lang="en-US"/>
           </a:p>
@@ -1568,7 +1568,7 @@
           <a:p>
             <a:fld id="{E47B1B4E-0EC6-4546-B26A-C4455998E44E}" type="datetime1">
               <a:rPr lang="en-US" smtClean="0"/>
-              <a:t>1/7/2022</a:t>
+              <a:t>1/10/2022</a:t>
             </a:fld>
             <a:endParaRPr lang="en-US"/>
           </a:p>
@@ -1876,7 +1876,7 @@
           <a:p>
             <a:fld id="{C3A8C74C-0B69-4161-99E9-DF9818443EAA}" type="datetime1">
               <a:rPr lang="en-US" smtClean="0"/>
-              <a:t>1/7/2022</a:t>
+              <a:t>1/10/2022</a:t>
             </a:fld>
             <a:endParaRPr lang="en-US"/>
           </a:p>
@@ -2044,7 +2044,7 @@
           <a:p>
             <a:fld id="{4DFBF3A0-C444-4F34-BF5B-169E9D461035}" type="datetime1">
               <a:rPr lang="en-US" smtClean="0"/>
-              <a:t>1/7/2022</a:t>
+              <a:t>1/10/2022</a:t>
             </a:fld>
             <a:endParaRPr lang="en-US"/>
           </a:p>
@@ -2356,7 +2356,7 @@
           <a:p>
             <a:fld id="{E196B420-BADE-4187-9E75-E64276466004}" type="datetime1">
               <a:rPr lang="en-US" smtClean="0"/>
-              <a:t>1/7/2022</a:t>
+              <a:t>1/10/2022</a:t>
             </a:fld>
             <a:endParaRPr lang="en-US"/>
           </a:p>
@@ -2668,7 +2668,7 @@
           <a:p>
             <a:fld id="{FF00C915-A483-44DD-9703-2D268BDAA475}" type="datetime1">
               <a:rPr lang="en-US" smtClean="0"/>
-              <a:t>1/7/2022</a:t>
+              <a:t>1/10/2022</a:t>
             </a:fld>
             <a:endParaRPr lang="en-US"/>
           </a:p>
@@ -2854,7 +2854,7 @@
           <a:p>
             <a:fld id="{1A4DAFB5-4EEC-49BD-AB33-559CD6F558E3}" type="datetime1">
               <a:rPr lang="en-US" smtClean="0"/>
-              <a:t>1/7/2022</a:t>
+              <a:t>1/10/2022</a:t>
             </a:fld>
             <a:endParaRPr lang="en-US"/>
           </a:p>
@@ -3063,7 +3063,7 @@
           <a:p>
             <a:fld id="{1EE2056D-DC17-4607-87F9-EA4937BD48E2}" type="datetime1">
               <a:rPr lang="en-US" smtClean="0"/>
-              <a:t>1/7/2022</a:t>
+              <a:t>1/10/2022</a:t>
             </a:fld>
             <a:endParaRPr lang="en-US"/>
           </a:p>
@@ -3366,7 +3366,7 @@
           <a:p>
             <a:fld id="{866E3DAD-9254-43DE-A1F3-F1D56B1E5B5F}" type="datetime1">
               <a:rPr lang="en-US" smtClean="0"/>
-              <a:t>1/7/2022</a:t>
+              <a:t>1/10/2022</a:t>
             </a:fld>
             <a:endParaRPr lang="en-US"/>
           </a:p>
@@ -3808,7 +3808,7 @@
           <a:p>
             <a:fld id="{12F88D45-78A7-46A0-99B7-2046E351D366}" type="datetime1">
               <a:rPr lang="en-US" smtClean="0"/>
-              <a:t>1/7/2022</a:t>
+              <a:t>1/10/2022</a:t>
             </a:fld>
             <a:endParaRPr lang="en-US"/>
           </a:p>
@@ -3943,7 +3943,7 @@
           <a:p>
             <a:fld id="{7716AC84-6778-466F-95F9-3EEE8E306ABF}" type="datetime1">
               <a:rPr lang="en-US" smtClean="0"/>
-              <a:t>1/7/2022</a:t>
+              <a:t>1/10/2022</a:t>
             </a:fld>
             <a:endParaRPr lang="en-US"/>
           </a:p>
@@ -4056,7 +4056,7 @@
           <a:p>
             <a:fld id="{02DEDAFE-CBEF-41E8-868F-E40C867A5636}" type="datetime1">
               <a:rPr lang="en-US" smtClean="0"/>
-              <a:t>1/7/2022</a:t>
+              <a:t>1/10/2022</a:t>
             </a:fld>
             <a:endParaRPr lang="en-US"/>
           </a:p>
@@ -4349,7 +4349,7 @@
           <a:p>
             <a:fld id="{20C87E4D-F358-4436-A283-114607D95274}" type="datetime1">
               <a:rPr lang="en-US" smtClean="0"/>
-              <a:t>1/7/2022</a:t>
+              <a:t>1/10/2022</a:t>
             </a:fld>
             <a:endParaRPr lang="en-US"/>
           </a:p>
@@ -4623,7 +4623,7 @@
           <a:p>
             <a:fld id="{6CCABA82-8A7B-4924-987B-0B7221667B17}" type="datetime1">
               <a:rPr lang="en-US" smtClean="0"/>
-              <a:t>1/7/2022</a:t>
+              <a:t>1/10/2022</a:t>
             </a:fld>
             <a:endParaRPr lang="en-US"/>
           </a:p>
@@ -4745,17 +4745,17 @@
           </a:ln>
           <a:extLst>
             <a:ext uri="{FAA26D3D-D897-4be2-8F04-BA451C77F1D7}">
-              <ma14:placeholderFlag xmlns:ma14="http://schemas.microsoft.com/office/mac/drawingml/2011/main" xmlns="" val="1"/>
+              <ma14:placeholderFlag xmlns="" xmlns:ma14="http://schemas.microsoft.com/office/mac/drawingml/2011/main" val="1"/>
             </a:ext>
             <a:ext uri="{909E8E84-426E-40dd-AFC4-6F175D3DCCD1}">
-              <a14:hiddenFill xmlns:a14="http://schemas.microsoft.com/office/drawing/2010/main" xmlns="">
+              <a14:hiddenFill xmlns="" xmlns:a14="http://schemas.microsoft.com/office/drawing/2010/main">
                 <a:solidFill>
                   <a:srgbClr val="FFFFFF"/>
                 </a:solidFill>
               </a14:hiddenFill>
             </a:ext>
             <a:ext uri="{91240B29-F687-4f45-9708-019B960494DF}">
-              <a14:hiddenLine xmlns:a14="http://schemas.microsoft.com/office/drawing/2010/main" xmlns="" w="9525">
+              <a14:hiddenLine xmlns="" xmlns:a14="http://schemas.microsoft.com/office/drawing/2010/main" w="9525">
                 <a:solidFill>
                   <a:srgbClr val="000000"/>
                 </a:solidFill>
@@ -4807,17 +4807,17 @@
           </a:ln>
           <a:extLst>
             <a:ext uri="{FAA26D3D-D897-4be2-8F04-BA451C77F1D7}">
-              <ma14:placeholderFlag xmlns:ma14="http://schemas.microsoft.com/office/mac/drawingml/2011/main" xmlns="" val="1"/>
+              <ma14:placeholderFlag xmlns="" xmlns:ma14="http://schemas.microsoft.com/office/mac/drawingml/2011/main" val="1"/>
             </a:ext>
             <a:ext uri="{909E8E84-426E-40dd-AFC4-6F175D3DCCD1}">
-              <a14:hiddenFill xmlns:a14="http://schemas.microsoft.com/office/drawing/2010/main" xmlns="">
+              <a14:hiddenFill xmlns="" xmlns:a14="http://schemas.microsoft.com/office/drawing/2010/main">
                 <a:solidFill>
                   <a:srgbClr val="FFFFFF"/>
                 </a:solidFill>
               </a14:hiddenFill>
             </a:ext>
             <a:ext uri="{91240B29-F687-4f45-9708-019B960494DF}">
-              <a14:hiddenLine xmlns:a14="http://schemas.microsoft.com/office/drawing/2010/main" xmlns="" w="9525">
+              <a14:hiddenLine xmlns="" xmlns:a14="http://schemas.microsoft.com/office/drawing/2010/main" w="9525">
                 <a:solidFill>
                   <a:srgbClr val="000000"/>
                 </a:solidFill>
@@ -4917,7 +4917,7 @@
           <a:p>
             <a:fld id="{A7853F80-D63E-429F-B326-B00475E1D8E8}" type="datetime1">
               <a:rPr lang="en-US" smtClean="0"/>
-              <a:t>1/7/2022</a:t>
+              <a:t>1/10/2022</a:t>
             </a:fld>
             <a:endParaRPr lang="en-US"/>
           </a:p>
@@ -5085,7 +5085,7 @@
           </a:ln>
           <a:extLst>
             <a:ext uri="{909E8E84-426E-40dd-AFC4-6F175D3DCCD1}">
-              <a14:hiddenFill xmlns:a14="http://schemas.microsoft.com/office/drawing/2010/main" xmlns="">
+              <a14:hiddenFill xmlns="" xmlns:a14="http://schemas.microsoft.com/office/drawing/2010/main">
                 <a:solidFill>
                   <a:srgbClr val="FFFFFF"/>
                 </a:solidFill>
@@ -5128,7 +5128,7 @@
           </a:ln>
           <a:extLst>
             <a:ext uri="{909E8E84-426E-40dd-AFC4-6F175D3DCCD1}">
-              <a14:hiddenFill xmlns:a14="http://schemas.microsoft.com/office/drawing/2010/main" xmlns="">
+              <a14:hiddenFill xmlns="" xmlns:a14="http://schemas.microsoft.com/office/drawing/2010/main">
                 <a:noFill/>
               </a14:hiddenFill>
             </a:ext>
@@ -5668,17 +5668,17 @@
           </a:ln>
           <a:extLst>
             <a:ext uri="{FAA26D3D-D897-4be2-8F04-BA451C77F1D7}">
-              <ma14:placeholderFlag xmlns:ma14="http://schemas.microsoft.com/office/mac/drawingml/2011/main" xmlns="" val="1"/>
+              <ma14:placeholderFlag xmlns="" xmlns:ma14="http://schemas.microsoft.com/office/mac/drawingml/2011/main" val="1"/>
             </a:ext>
             <a:ext uri="{909E8E84-426E-40dd-AFC4-6F175D3DCCD1}">
-              <a14:hiddenFill xmlns:a14="http://schemas.microsoft.com/office/drawing/2010/main" xmlns="">
+              <a14:hiddenFill xmlns="" xmlns:a14="http://schemas.microsoft.com/office/drawing/2010/main">
                 <a:solidFill>
                   <a:srgbClr val="FFFFFF"/>
                 </a:solidFill>
               </a14:hiddenFill>
             </a:ext>
             <a:ext uri="{91240B29-F687-4f45-9708-019B960494DF}">
-              <a14:hiddenLine xmlns:a14="http://schemas.microsoft.com/office/drawing/2010/main" xmlns="" w="9525">
+              <a14:hiddenLine xmlns="" xmlns:a14="http://schemas.microsoft.com/office/drawing/2010/main" w="9525">
                 <a:solidFill>
                   <a:srgbClr val="000000"/>
                 </a:solidFill>
@@ -6278,7 +6278,11 @@
           <a:p>
             <a:r>
               <a:rPr lang="en-US" dirty="0" smtClean="0"/>
-              <a:t>Hands on exercise</a:t>
+              <a:t>Hands on </a:t>
+            </a:r>
+            <a:r>
+              <a:rPr lang="en-US" dirty="0" smtClean="0"/>
+              <a:t>exercise step 2</a:t>
             </a:r>
             <a:endParaRPr lang="en-US" dirty="0"/>
           </a:p>
@@ -6425,22 +6429,46 @@
             <p:ph idx="1"/>
           </p:nvPr>
         </p:nvSpPr>
-        <p:spPr/>
+        <p:spPr>
+          <a:xfrm>
+            <a:off x="457200" y="1244600"/>
+            <a:ext cx="8229600" cy="4530725"/>
+          </a:xfrm>
+        </p:spPr>
         <p:txBody>
           <a:bodyPr/>
           <a:lstStyle/>
           <a:p>
             <a:r>
               <a:rPr lang="en-US" dirty="0" smtClean="0"/>
-              <a:t>Make sure this code runs and matches your previous answer </a:t>
-            </a:r>
+              <a:t>Make sure this code runs and matches your previous </a:t>
+            </a:r>
+            <a:r>
+              <a:rPr lang="en-US" dirty="0" smtClean="0"/>
+              <a:t>answer</a:t>
+            </a:r>
+          </a:p>
+          <a:p>
+            <a:r>
+              <a:rPr lang="en-US" dirty="0" smtClean="0"/>
+              <a:t>Download file “lab1.cpp” from TEAMS and put into “</a:t>
+            </a:r>
+            <a:r>
+              <a:rPr lang="en-US" dirty="0" err="1" smtClean="0"/>
+              <a:t>tmb_models</a:t>
+            </a:r>
+            <a:r>
+              <a:rPr lang="en-US" dirty="0" smtClean="0"/>
+              <a:t>” folder, then run this code: </a:t>
+            </a:r>
+            <a:endParaRPr lang="en-US" dirty="0" smtClean="0"/>
           </a:p>
           <a:p>
             <a:pPr marL="0" indent="0">
               <a:buNone/>
             </a:pPr>
             <a:r>
-              <a:rPr lang="en-US" sz="2400" dirty="0">
+              <a:rPr lang="en-US" sz="1800" dirty="0">
                 <a:latin typeface="Courier New" panose="02070309020205020404" pitchFamily="49" charset="0"/>
                 <a:cs typeface="Courier New" panose="02070309020205020404" pitchFamily="49" charset="0"/>
               </a:rPr>
@@ -6452,21 +6480,21 @@
               <a:buNone/>
             </a:pPr>
             <a:r>
-              <a:rPr lang="en-US" sz="2400" dirty="0">
+              <a:rPr lang="en-US" sz="1800" dirty="0">
                 <a:latin typeface="Courier New" panose="02070309020205020404" pitchFamily="49" charset="0"/>
                 <a:cs typeface="Courier New" panose="02070309020205020404" pitchFamily="49" charset="0"/>
               </a:rPr>
               <a:t>compile('</a:t>
             </a:r>
             <a:r>
-              <a:rPr lang="en-US" sz="2400" dirty="0" err="1">
+              <a:rPr lang="en-US" sz="1800" dirty="0" err="1">
                 <a:latin typeface="Courier New" panose="02070309020205020404" pitchFamily="49" charset="0"/>
                 <a:cs typeface="Courier New" panose="02070309020205020404" pitchFamily="49" charset="0"/>
               </a:rPr>
               <a:t>tmb_models</a:t>
             </a:r>
             <a:r>
-              <a:rPr lang="en-US" sz="2400" dirty="0">
+              <a:rPr lang="en-US" sz="1800" dirty="0">
                 <a:latin typeface="Courier New" panose="02070309020205020404" pitchFamily="49" charset="0"/>
                 <a:cs typeface="Courier New" panose="02070309020205020404" pitchFamily="49" charset="0"/>
               </a:rPr>
@@ -6478,42 +6506,42 @@
               <a:buNone/>
             </a:pPr>
             <a:r>
-              <a:rPr lang="en-US" sz="2400" dirty="0" err="1">
+              <a:rPr lang="en-US" sz="1800" dirty="0" err="1">
                 <a:latin typeface="Courier New" panose="02070309020205020404" pitchFamily="49" charset="0"/>
                 <a:cs typeface="Courier New" panose="02070309020205020404" pitchFamily="49" charset="0"/>
               </a:rPr>
               <a:t>dyn.load</a:t>
             </a:r>
             <a:r>
-              <a:rPr lang="en-US" sz="2400" dirty="0">
+              <a:rPr lang="en-US" sz="1800" dirty="0">
                 <a:latin typeface="Courier New" panose="02070309020205020404" pitchFamily="49" charset="0"/>
                 <a:cs typeface="Courier New" panose="02070309020205020404" pitchFamily="49" charset="0"/>
               </a:rPr>
               <a:t>(</a:t>
             </a:r>
             <a:r>
-              <a:rPr lang="en-US" sz="2400" dirty="0" err="1">
+              <a:rPr lang="en-US" sz="1800" dirty="0" err="1">
                 <a:latin typeface="Courier New" panose="02070309020205020404" pitchFamily="49" charset="0"/>
                 <a:cs typeface="Courier New" panose="02070309020205020404" pitchFamily="49" charset="0"/>
               </a:rPr>
               <a:t>dynlib</a:t>
             </a:r>
             <a:r>
-              <a:rPr lang="en-US" sz="2400" dirty="0">
+              <a:rPr lang="en-US" sz="1800" dirty="0">
                 <a:latin typeface="Courier New" panose="02070309020205020404" pitchFamily="49" charset="0"/>
                 <a:cs typeface="Courier New" panose="02070309020205020404" pitchFamily="49" charset="0"/>
               </a:rPr>
               <a:t>('</a:t>
             </a:r>
             <a:r>
-              <a:rPr lang="en-US" sz="2400" dirty="0" err="1">
+              <a:rPr lang="en-US" sz="1800" dirty="0" err="1">
                 <a:latin typeface="Courier New" panose="02070309020205020404" pitchFamily="49" charset="0"/>
                 <a:cs typeface="Courier New" panose="02070309020205020404" pitchFamily="49" charset="0"/>
               </a:rPr>
               <a:t>tmb_models</a:t>
             </a:r>
             <a:r>
-              <a:rPr lang="en-US" sz="2400" dirty="0">
+              <a:rPr lang="en-US" sz="1800" dirty="0">
                 <a:latin typeface="Courier New" panose="02070309020205020404" pitchFamily="49" charset="0"/>
                 <a:cs typeface="Courier New" panose="02070309020205020404" pitchFamily="49" charset="0"/>
               </a:rPr>
@@ -6525,28 +6553,28 @@
               <a:buNone/>
             </a:pPr>
             <a:r>
-              <a:rPr lang="en-US" sz="2400" dirty="0" err="1">
+              <a:rPr lang="en-US" sz="1800" dirty="0" err="1">
                 <a:latin typeface="Courier New" panose="02070309020205020404" pitchFamily="49" charset="0"/>
                 <a:cs typeface="Courier New" panose="02070309020205020404" pitchFamily="49" charset="0"/>
               </a:rPr>
               <a:t>obj</a:t>
             </a:r>
             <a:r>
-              <a:rPr lang="en-US" sz="2400" dirty="0">
+              <a:rPr lang="en-US" sz="1800" dirty="0">
                 <a:latin typeface="Courier New" panose="02070309020205020404" pitchFamily="49" charset="0"/>
                 <a:cs typeface="Courier New" panose="02070309020205020404" pitchFamily="49" charset="0"/>
               </a:rPr>
               <a:t> &lt;- </a:t>
             </a:r>
             <a:r>
-              <a:rPr lang="en-US" sz="2400" dirty="0" err="1">
+              <a:rPr lang="en-US" sz="1800" dirty="0" err="1">
                 <a:latin typeface="Courier New" panose="02070309020205020404" pitchFamily="49" charset="0"/>
                 <a:cs typeface="Courier New" panose="02070309020205020404" pitchFamily="49" charset="0"/>
               </a:rPr>
               <a:t>MakeADFun</a:t>
             </a:r>
             <a:r>
-              <a:rPr lang="en-US" sz="2400" dirty="0">
+              <a:rPr lang="en-US" sz="1800" dirty="0">
                 <a:latin typeface="Courier New" panose="02070309020205020404" pitchFamily="49" charset="0"/>
                 <a:cs typeface="Courier New" panose="02070309020205020404" pitchFamily="49" charset="0"/>
               </a:rPr>
@@ -6558,63 +6586,63 @@
               <a:buNone/>
             </a:pPr>
             <a:r>
-              <a:rPr lang="en-US" sz="2400" dirty="0">
+              <a:rPr lang="en-US" sz="1800" dirty="0">
                 <a:latin typeface="Courier New" panose="02070309020205020404" pitchFamily="49" charset="0"/>
                 <a:cs typeface="Courier New" panose="02070309020205020404" pitchFamily="49" charset="0"/>
               </a:rPr>
               <a:t>opt &lt;- </a:t>
             </a:r>
             <a:r>
-              <a:rPr lang="en-US" sz="2400" dirty="0" err="1">
+              <a:rPr lang="en-US" sz="1800" dirty="0" err="1">
                 <a:latin typeface="Courier New" panose="02070309020205020404" pitchFamily="49" charset="0"/>
                 <a:cs typeface="Courier New" panose="02070309020205020404" pitchFamily="49" charset="0"/>
               </a:rPr>
               <a:t>nlminb</a:t>
             </a:r>
             <a:r>
-              <a:rPr lang="en-US" sz="2400" dirty="0">
+              <a:rPr lang="en-US" sz="1800" dirty="0">
                 <a:latin typeface="Courier New" panose="02070309020205020404" pitchFamily="49" charset="0"/>
                 <a:cs typeface="Courier New" panose="02070309020205020404" pitchFamily="49" charset="0"/>
               </a:rPr>
               <a:t>(</a:t>
             </a:r>
             <a:r>
-              <a:rPr lang="en-US" sz="2400" dirty="0" err="1">
+              <a:rPr lang="en-US" sz="1800" dirty="0" err="1">
                 <a:latin typeface="Courier New" panose="02070309020205020404" pitchFamily="49" charset="0"/>
                 <a:cs typeface="Courier New" panose="02070309020205020404" pitchFamily="49" charset="0"/>
               </a:rPr>
               <a:t>obj$par</a:t>
             </a:r>
             <a:r>
-              <a:rPr lang="en-US" sz="2400" dirty="0">
+              <a:rPr lang="en-US" sz="1800" dirty="0">
                 <a:latin typeface="Courier New" panose="02070309020205020404" pitchFamily="49" charset="0"/>
                 <a:cs typeface="Courier New" panose="02070309020205020404" pitchFamily="49" charset="0"/>
               </a:rPr>
               <a:t>, </a:t>
             </a:r>
             <a:r>
-              <a:rPr lang="en-US" sz="2400" dirty="0" err="1">
+              <a:rPr lang="en-US" sz="1800" dirty="0" err="1">
                 <a:latin typeface="Courier New" panose="02070309020205020404" pitchFamily="49" charset="0"/>
                 <a:cs typeface="Courier New" panose="02070309020205020404" pitchFamily="49" charset="0"/>
               </a:rPr>
               <a:t>obj$fn</a:t>
             </a:r>
             <a:r>
-              <a:rPr lang="en-US" sz="2400" dirty="0">
+              <a:rPr lang="en-US" sz="1800" dirty="0">
                 <a:latin typeface="Courier New" panose="02070309020205020404" pitchFamily="49" charset="0"/>
                 <a:cs typeface="Courier New" panose="02070309020205020404" pitchFamily="49" charset="0"/>
               </a:rPr>
               <a:t>, </a:t>
             </a:r>
             <a:r>
-              <a:rPr lang="en-US" sz="2400" dirty="0" err="1">
+              <a:rPr lang="en-US" sz="1800" dirty="0" err="1">
                 <a:latin typeface="Courier New" panose="02070309020205020404" pitchFamily="49" charset="0"/>
                 <a:cs typeface="Courier New" panose="02070309020205020404" pitchFamily="49" charset="0"/>
               </a:rPr>
               <a:t>obj$gr</a:t>
             </a:r>
             <a:r>
-              <a:rPr lang="en-US" sz="2400" dirty="0">
+              <a:rPr lang="en-US" sz="1800" dirty="0">
                 <a:latin typeface="Courier New" panose="02070309020205020404" pitchFamily="49" charset="0"/>
                 <a:cs typeface="Courier New" panose="02070309020205020404" pitchFamily="49" charset="0"/>
               </a:rPr>
@@ -6626,7 +6654,7 @@
               <a:buNone/>
             </a:pPr>
             <a:r>
-              <a:rPr lang="en-US" sz="2400" dirty="0" err="1" smtClean="0">
+              <a:rPr lang="en-US" sz="1800" dirty="0" err="1" smtClean="0">
                 <a:latin typeface="Courier New" panose="02070309020205020404" pitchFamily="49" charset="0"/>
                 <a:cs typeface="Courier New" panose="02070309020205020404" pitchFamily="49" charset="0"/>
               </a:rPr>
